--- a/Part 2 - Exploratory Data Analysis/Exploratory data Analysis.pptx
+++ b/Part 2 - Exploratory Data Analysis/Exploratory data Analysis.pptx
@@ -10672,7 +10672,12 @@
             <p:ph idx="1"/>
           </p:nvPr>
         </p:nvSpPr>
-        <p:spPr/>
+        <p:spPr>
+          <a:xfrm>
+            <a:off x="1097280" y="1810223"/>
+            <a:ext cx="10058400" cy="4023360"/>
+          </a:xfrm>
+        </p:spPr>
         <p:txBody>
           <a:bodyPr/>
           <a:lstStyle/>
